--- a/papers/Case2016/pictures/pdf/PoseControlPoster.pptx
+++ b/papers/Case2016/pictures/pdf/PoseControlPoster.pptx
@@ -192,7 +192,7 @@
           <a:p>
             <a:fld id="{243C4465-5063-134D-B42C-26BBE48D6FB2}" type="datetimeFigureOut">
               <a:rPr lang="en-US" smtClean="0"/>
-              <a:t>4/20/16</a:t>
+              <a:t>4/21/16</a:t>
             </a:fld>
             <a:endParaRPr lang="en-US"/>
           </a:p>
@@ -730,7 +730,7 @@
           <a:p>
             <a:fld id="{A43CD389-F10E-9B4C-8108-221530CB5ECE}" type="datetimeFigureOut">
               <a:rPr lang="en-US" smtClean="0"/>
-              <a:t>4/20/16</a:t>
+              <a:t>4/21/16</a:t>
             </a:fld>
             <a:endParaRPr lang="en-US"/>
           </a:p>
@@ -900,7 +900,7 @@
           <a:p>
             <a:fld id="{A43CD389-F10E-9B4C-8108-221530CB5ECE}" type="datetimeFigureOut">
               <a:rPr lang="en-US" smtClean="0"/>
-              <a:t>4/20/16</a:t>
+              <a:t>4/21/16</a:t>
             </a:fld>
             <a:endParaRPr lang="en-US"/>
           </a:p>
@@ -1080,7 +1080,7 @@
           <a:p>
             <a:fld id="{A43CD389-F10E-9B4C-8108-221530CB5ECE}" type="datetimeFigureOut">
               <a:rPr lang="en-US" smtClean="0"/>
-              <a:t>4/20/16</a:t>
+              <a:t>4/21/16</a:t>
             </a:fld>
             <a:endParaRPr lang="en-US"/>
           </a:p>
@@ -1250,7 +1250,7 @@
           <a:p>
             <a:fld id="{A43CD389-F10E-9B4C-8108-221530CB5ECE}" type="datetimeFigureOut">
               <a:rPr lang="en-US" smtClean="0"/>
-              <a:t>4/20/16</a:t>
+              <a:t>4/21/16</a:t>
             </a:fld>
             <a:endParaRPr lang="en-US"/>
           </a:p>
@@ -1496,7 +1496,7 @@
           <a:p>
             <a:fld id="{A43CD389-F10E-9B4C-8108-221530CB5ECE}" type="datetimeFigureOut">
               <a:rPr lang="en-US" smtClean="0"/>
-              <a:t>4/20/16</a:t>
+              <a:t>4/21/16</a:t>
             </a:fld>
             <a:endParaRPr lang="en-US"/>
           </a:p>
@@ -1784,7 +1784,7 @@
           <a:p>
             <a:fld id="{A43CD389-F10E-9B4C-8108-221530CB5ECE}" type="datetimeFigureOut">
               <a:rPr lang="en-US" smtClean="0"/>
-              <a:t>4/20/16</a:t>
+              <a:t>4/21/16</a:t>
             </a:fld>
             <a:endParaRPr lang="en-US"/>
           </a:p>
@@ -2211,7 +2211,7 @@
           <a:p>
             <a:fld id="{A43CD389-F10E-9B4C-8108-221530CB5ECE}" type="datetimeFigureOut">
               <a:rPr lang="en-US" smtClean="0"/>
-              <a:t>4/20/16</a:t>
+              <a:t>4/21/16</a:t>
             </a:fld>
             <a:endParaRPr lang="en-US"/>
           </a:p>
@@ -2329,7 +2329,7 @@
           <a:p>
             <a:fld id="{A43CD389-F10E-9B4C-8108-221530CB5ECE}" type="datetimeFigureOut">
               <a:rPr lang="en-US" smtClean="0"/>
-              <a:t>4/20/16</a:t>
+              <a:t>4/21/16</a:t>
             </a:fld>
             <a:endParaRPr lang="en-US"/>
           </a:p>
@@ -2424,7 +2424,7 @@
           <a:p>
             <a:fld id="{A43CD389-F10E-9B4C-8108-221530CB5ECE}" type="datetimeFigureOut">
               <a:rPr lang="en-US" smtClean="0"/>
-              <a:t>4/20/16</a:t>
+              <a:t>4/21/16</a:t>
             </a:fld>
             <a:endParaRPr lang="en-US"/>
           </a:p>
@@ -2701,7 +2701,7 @@
           <a:p>
             <a:fld id="{A43CD389-F10E-9B4C-8108-221530CB5ECE}" type="datetimeFigureOut">
               <a:rPr lang="en-US" smtClean="0"/>
-              <a:t>4/20/16</a:t>
+              <a:t>4/21/16</a:t>
             </a:fld>
             <a:endParaRPr lang="en-US"/>
           </a:p>
@@ -2954,7 +2954,7 @@
           <a:p>
             <a:fld id="{A43CD389-F10E-9B4C-8108-221530CB5ECE}" type="datetimeFigureOut">
               <a:rPr lang="en-US" smtClean="0"/>
-              <a:t>4/20/16</a:t>
+              <a:t>4/21/16</a:t>
             </a:fld>
             <a:endParaRPr lang="en-US"/>
           </a:p>
@@ -3167,7 +3167,7 @@
           <a:p>
             <a:fld id="{A43CD389-F10E-9B4C-8108-221530CB5ECE}" type="datetimeFigureOut">
               <a:rPr lang="en-US" smtClean="0"/>
-              <a:t>4/20/16</a:t>
+              <a:t>4/21/16</a:t>
             </a:fld>
             <a:endParaRPr lang="en-US"/>
           </a:p>
@@ -3719,7 +3719,14 @@
                 <a:latin typeface="Times New Roman"/>
                 <a:cs typeface="Times New Roman"/>
               </a:rPr>
-              <a:t>t = 30 </a:t>
+              <a:t>t = </a:t>
+            </a:r>
+            <a:r>
+              <a:rPr lang="en-US" sz="2800" i="1" dirty="0" smtClean="0">
+                <a:latin typeface="Times New Roman"/>
+                <a:cs typeface="Times New Roman"/>
+              </a:rPr>
+              <a:t>30 s </a:t>
             </a:r>
             <a:endParaRPr lang="en-US" sz="2800" i="1" dirty="0">
               <a:latin typeface="Times New Roman"/>
@@ -3755,7 +3762,14 @@
                 <a:latin typeface="Times New Roman"/>
                 <a:cs typeface="Times New Roman"/>
               </a:rPr>
-              <a:t>t = 60 </a:t>
+              <a:t>t = </a:t>
+            </a:r>
+            <a:r>
+              <a:rPr lang="en-US" sz="2800" i="1" dirty="0" smtClean="0">
+                <a:latin typeface="Times New Roman"/>
+                <a:cs typeface="Times New Roman"/>
+              </a:rPr>
+              <a:t>60 s </a:t>
             </a:r>
             <a:endParaRPr lang="en-US" sz="2800" i="1" dirty="0">
               <a:latin typeface="Times New Roman"/>
@@ -3791,7 +3805,14 @@
                 <a:latin typeface="Times New Roman"/>
                 <a:cs typeface="Times New Roman"/>
               </a:rPr>
-              <a:t>t = 120 </a:t>
+              <a:t>t = </a:t>
+            </a:r>
+            <a:r>
+              <a:rPr lang="en-US" sz="2800" i="1" dirty="0" smtClean="0">
+                <a:latin typeface="Times New Roman"/>
+                <a:cs typeface="Times New Roman"/>
+              </a:rPr>
+              <a:t>120 s </a:t>
             </a:r>
             <a:endParaRPr lang="en-US" sz="2800" i="1" dirty="0">
               <a:latin typeface="Times New Roman"/>
@@ -3827,7 +3848,14 @@
                 <a:latin typeface="Times New Roman"/>
                 <a:cs typeface="Times New Roman"/>
               </a:rPr>
-              <a:t>t = 150 </a:t>
+              <a:t>t = </a:t>
+            </a:r>
+            <a:r>
+              <a:rPr lang="en-US" sz="2800" i="1" dirty="0" smtClean="0">
+                <a:latin typeface="Times New Roman"/>
+                <a:cs typeface="Times New Roman"/>
+              </a:rPr>
+              <a:t>150 s </a:t>
             </a:r>
             <a:endParaRPr lang="en-US" sz="2800" i="1" dirty="0">
               <a:latin typeface="Times New Roman"/>
@@ -3863,7 +3891,21 @@
                 <a:latin typeface="Times New Roman"/>
                 <a:cs typeface="Times New Roman"/>
               </a:rPr>
-              <a:t>t = 210 </a:t>
+              <a:t>t </a:t>
+            </a:r>
+            <a:r>
+              <a:rPr lang="en-US" sz="2800" i="1" smtClean="0">
+                <a:latin typeface="Times New Roman"/>
+                <a:cs typeface="Times New Roman"/>
+              </a:rPr>
+              <a:t>= </a:t>
+            </a:r>
+            <a:r>
+              <a:rPr lang="en-US" sz="2800" i="1" smtClean="0">
+                <a:latin typeface="Times New Roman"/>
+                <a:cs typeface="Times New Roman"/>
+              </a:rPr>
+              <a:t>210 s </a:t>
             </a:r>
             <a:endParaRPr lang="en-US" sz="2800" i="1" dirty="0">
               <a:latin typeface="Times New Roman"/>
